--- a/Calendario2024/presentaciones/16_POO_Herencia.pptx
+++ b/Calendario2024/presentaciones/16_POO_Herencia.pptx
@@ -225,7 +225,7 @@
           <a:p>
             <a:fld id="{DDE721D5-655F-45D2-B717-3C4CD78C8568}" type="datetimeFigureOut">
               <a:rPr lang="es-MX" smtClean="0"/>
-              <a:t>28/08/2023</a:t>
+              <a:t>03/03/2024</a:t>
             </a:fld>
             <a:endParaRPr lang="es-MX" dirty="0"/>
           </a:p>
@@ -384,7 +384,7 @@
           <a:p>
             <a:fld id="{6BAB4312-99A1-4CE9-ACE7-4C62E9FD90EE}" type="slidenum">
               <a:rPr lang="es-MX" smtClean="0"/>
-              <a:t>‹Nº›</a:t>
+              <a:t>‹#›</a:t>
             </a:fld>
             <a:endParaRPr lang="es-MX" dirty="0"/>
           </a:p>
@@ -674,7 +674,7 @@
           <a:p>
             <a:fld id="{B3F3E716-CACC-4490-AD07-F24B6A68DE47}" type="datetimeFigureOut">
               <a:rPr lang="es-MX" smtClean="0"/>
-              <a:t>28/08/2023</a:t>
+              <a:t>03/03/2024</a:t>
             </a:fld>
             <a:endParaRPr lang="es-MX" dirty="0"/>
           </a:p>
@@ -716,7 +716,7 @@
           <a:p>
             <a:fld id="{52A58D3C-5A37-463D-B2C9-8DF65AE0B01C}" type="slidenum">
               <a:rPr lang="es-MX" smtClean="0"/>
-              <a:t>‹Nº›</a:t>
+              <a:t>‹#›</a:t>
             </a:fld>
             <a:endParaRPr lang="es-MX" dirty="0"/>
           </a:p>
@@ -844,7 +844,7 @@
           <a:p>
             <a:fld id="{B3F3E716-CACC-4490-AD07-F24B6A68DE47}" type="datetimeFigureOut">
               <a:rPr lang="es-MX" smtClean="0"/>
-              <a:t>28/08/2023</a:t>
+              <a:t>03/03/2024</a:t>
             </a:fld>
             <a:endParaRPr lang="es-MX" dirty="0"/>
           </a:p>
@@ -886,7 +886,7 @@
           <a:p>
             <a:fld id="{52A58D3C-5A37-463D-B2C9-8DF65AE0B01C}" type="slidenum">
               <a:rPr lang="es-MX" smtClean="0"/>
-              <a:t>‹Nº›</a:t>
+              <a:t>‹#›</a:t>
             </a:fld>
             <a:endParaRPr lang="es-MX" dirty="0"/>
           </a:p>
@@ -1024,7 +1024,7 @@
           <a:p>
             <a:fld id="{B3F3E716-CACC-4490-AD07-F24B6A68DE47}" type="datetimeFigureOut">
               <a:rPr lang="es-MX" smtClean="0"/>
-              <a:t>28/08/2023</a:t>
+              <a:t>03/03/2024</a:t>
             </a:fld>
             <a:endParaRPr lang="es-MX" dirty="0"/>
           </a:p>
@@ -1066,7 +1066,7 @@
           <a:p>
             <a:fld id="{52A58D3C-5A37-463D-B2C9-8DF65AE0B01C}" type="slidenum">
               <a:rPr lang="es-MX" smtClean="0"/>
-              <a:t>‹Nº›</a:t>
+              <a:t>‹#›</a:t>
             </a:fld>
             <a:endParaRPr lang="es-MX" dirty="0"/>
           </a:p>
@@ -1177,7 +1177,7 @@
           <a:p>
             <a:fld id="{1D8BD707-D9CF-40AE-B4C6-C98DA3205C09}" type="datetimeFigureOut">
               <a:rPr lang="en-US" smtClean="0"/>
-              <a:t>8/28/2023</a:t>
+              <a:t>3/3/2024</a:t>
             </a:fld>
             <a:endParaRPr lang="en-US" dirty="0"/>
           </a:p>
@@ -1207,7 +1207,7 @@
                 <a:cs typeface="Calibri"/>
               </a:rPr>
               <a:pPr marL="25400"/>
-              <a:t>‹Nº›</a:t>
+              <a:t>‹#›</a:t>
             </a:fld>
             <a:endParaRPr lang="es-MX" dirty="0">
               <a:cs typeface="Calibri"/>
@@ -1506,7 +1506,7 @@
             <a:fld id="{D829B6A8-D253-4D4B-A3FA-70749FCD26F0}" type="slidenum">
               <a:rPr lang="es-ES" altLang="es-MX"/>
               <a:pPr/>
-              <a:t>‹Nº›</a:t>
+              <a:t>‹#›</a:t>
             </a:fld>
             <a:endParaRPr lang="es-ES" altLang="es-MX" dirty="0"/>
           </a:p>
@@ -1634,7 +1634,7 @@
           <a:p>
             <a:fld id="{B3F3E716-CACC-4490-AD07-F24B6A68DE47}" type="datetimeFigureOut">
               <a:rPr lang="es-MX" smtClean="0"/>
-              <a:t>28/08/2023</a:t>
+              <a:t>03/03/2024</a:t>
             </a:fld>
             <a:endParaRPr lang="es-MX" dirty="0"/>
           </a:p>
@@ -1676,7 +1676,7 @@
           <a:p>
             <a:fld id="{52A58D3C-5A37-463D-B2C9-8DF65AE0B01C}" type="slidenum">
               <a:rPr lang="es-MX" smtClean="0"/>
-              <a:t>‹Nº›</a:t>
+              <a:t>‹#›</a:t>
             </a:fld>
             <a:endParaRPr lang="es-MX" dirty="0"/>
           </a:p>
@@ -1880,7 +1880,7 @@
           <a:p>
             <a:fld id="{B3F3E716-CACC-4490-AD07-F24B6A68DE47}" type="datetimeFigureOut">
               <a:rPr lang="es-MX" smtClean="0"/>
-              <a:t>28/08/2023</a:t>
+              <a:t>03/03/2024</a:t>
             </a:fld>
             <a:endParaRPr lang="es-MX" dirty="0"/>
           </a:p>
@@ -1922,7 +1922,7 @@
           <a:p>
             <a:fld id="{52A58D3C-5A37-463D-B2C9-8DF65AE0B01C}" type="slidenum">
               <a:rPr lang="es-MX" smtClean="0"/>
-              <a:t>‹Nº›</a:t>
+              <a:t>‹#›</a:t>
             </a:fld>
             <a:endParaRPr lang="es-MX" dirty="0"/>
           </a:p>
@@ -2168,7 +2168,7 @@
           <a:p>
             <a:fld id="{B3F3E716-CACC-4490-AD07-F24B6A68DE47}" type="datetimeFigureOut">
               <a:rPr lang="es-MX" smtClean="0"/>
-              <a:t>28/08/2023</a:t>
+              <a:t>03/03/2024</a:t>
             </a:fld>
             <a:endParaRPr lang="es-MX" dirty="0"/>
           </a:p>
@@ -2210,7 +2210,7 @@
           <a:p>
             <a:fld id="{52A58D3C-5A37-463D-B2C9-8DF65AE0B01C}" type="slidenum">
               <a:rPr lang="es-MX" smtClean="0"/>
-              <a:t>‹Nº›</a:t>
+              <a:t>‹#›</a:t>
             </a:fld>
             <a:endParaRPr lang="es-MX" dirty="0"/>
           </a:p>
@@ -2590,7 +2590,7 @@
           <a:p>
             <a:fld id="{B3F3E716-CACC-4490-AD07-F24B6A68DE47}" type="datetimeFigureOut">
               <a:rPr lang="es-MX" smtClean="0"/>
-              <a:t>28/08/2023</a:t>
+              <a:t>03/03/2024</a:t>
             </a:fld>
             <a:endParaRPr lang="es-MX" dirty="0"/>
           </a:p>
@@ -2632,7 +2632,7 @@
           <a:p>
             <a:fld id="{52A58D3C-5A37-463D-B2C9-8DF65AE0B01C}" type="slidenum">
               <a:rPr lang="es-MX" smtClean="0"/>
-              <a:t>‹Nº›</a:t>
+              <a:t>‹#›</a:t>
             </a:fld>
             <a:endParaRPr lang="es-MX" dirty="0"/>
           </a:p>
@@ -2708,7 +2708,7 @@
           <a:p>
             <a:fld id="{B3F3E716-CACC-4490-AD07-F24B6A68DE47}" type="datetimeFigureOut">
               <a:rPr lang="es-MX" smtClean="0"/>
-              <a:t>28/08/2023</a:t>
+              <a:t>03/03/2024</a:t>
             </a:fld>
             <a:endParaRPr lang="es-MX" dirty="0"/>
           </a:p>
@@ -2750,7 +2750,7 @@
           <a:p>
             <a:fld id="{52A58D3C-5A37-463D-B2C9-8DF65AE0B01C}" type="slidenum">
               <a:rPr lang="es-MX" smtClean="0"/>
-              <a:t>‹Nº›</a:t>
+              <a:t>‹#›</a:t>
             </a:fld>
             <a:endParaRPr lang="es-MX" dirty="0"/>
           </a:p>
@@ -2803,7 +2803,7 @@
           <a:p>
             <a:fld id="{B3F3E716-CACC-4490-AD07-F24B6A68DE47}" type="datetimeFigureOut">
               <a:rPr lang="es-MX" smtClean="0"/>
-              <a:t>28/08/2023</a:t>
+              <a:t>03/03/2024</a:t>
             </a:fld>
             <a:endParaRPr lang="es-MX" dirty="0"/>
           </a:p>
@@ -2845,7 +2845,7 @@
           <a:p>
             <a:fld id="{52A58D3C-5A37-463D-B2C9-8DF65AE0B01C}" type="slidenum">
               <a:rPr lang="es-MX" smtClean="0"/>
-              <a:t>‹Nº›</a:t>
+              <a:t>‹#›</a:t>
             </a:fld>
             <a:endParaRPr lang="es-MX" dirty="0"/>
           </a:p>
@@ -3080,7 +3080,7 @@
           <a:p>
             <a:fld id="{B3F3E716-CACC-4490-AD07-F24B6A68DE47}" type="datetimeFigureOut">
               <a:rPr lang="es-MX" smtClean="0"/>
-              <a:t>28/08/2023</a:t>
+              <a:t>03/03/2024</a:t>
             </a:fld>
             <a:endParaRPr lang="es-MX" dirty="0"/>
           </a:p>
@@ -3122,7 +3122,7 @@
           <a:p>
             <a:fld id="{52A58D3C-5A37-463D-B2C9-8DF65AE0B01C}" type="slidenum">
               <a:rPr lang="es-MX" smtClean="0"/>
-              <a:t>‹Nº›</a:t>
+              <a:t>‹#›</a:t>
             </a:fld>
             <a:endParaRPr lang="es-MX" dirty="0"/>
           </a:p>
@@ -3333,7 +3333,7 @@
           <a:p>
             <a:fld id="{B3F3E716-CACC-4490-AD07-F24B6A68DE47}" type="datetimeFigureOut">
               <a:rPr lang="es-MX" smtClean="0"/>
-              <a:t>28/08/2023</a:t>
+              <a:t>03/03/2024</a:t>
             </a:fld>
             <a:endParaRPr lang="es-MX" dirty="0"/>
           </a:p>
@@ -3375,7 +3375,7 @@
           <a:p>
             <a:fld id="{52A58D3C-5A37-463D-B2C9-8DF65AE0B01C}" type="slidenum">
               <a:rPr lang="es-MX" smtClean="0"/>
-              <a:t>‹Nº›</a:t>
+              <a:t>‹#›</a:t>
             </a:fld>
             <a:endParaRPr lang="es-MX" dirty="0"/>
           </a:p>
@@ -3546,7 +3546,7 @@
           <a:p>
             <a:fld id="{B3F3E716-CACC-4490-AD07-F24B6A68DE47}" type="datetimeFigureOut">
               <a:rPr lang="es-MX" smtClean="0"/>
-              <a:t>28/08/2023</a:t>
+              <a:t>03/03/2024</a:t>
             </a:fld>
             <a:endParaRPr lang="es-MX" dirty="0"/>
           </a:p>
@@ -3624,7 +3624,7 @@
           <a:p>
             <a:fld id="{52A58D3C-5A37-463D-B2C9-8DF65AE0B01C}" type="slidenum">
               <a:rPr lang="es-MX" smtClean="0"/>
-              <a:t>‹Nº›</a:t>
+              <a:t>‹#›</a:t>
             </a:fld>
             <a:endParaRPr lang="es-MX" dirty="0"/>
           </a:p>
@@ -10883,7 +10883,7 @@
         <p:spPr>
           <a:xfrm>
             <a:off x="6084168" y="1262852"/>
-            <a:ext cx="2448273" cy="1643099"/>
+            <a:ext cx="2736304" cy="1643099"/>
           </a:xfrm>
           <a:prstGeom prst="rect">
             <a:avLst/>
@@ -11049,7 +11049,7 @@
                 </a:solidFill>
                 <a:latin typeface="Dom Casual" charset="0"/>
               </a:rPr>
-              <a:t>El atributo </a:t>
+              <a:t>Los atributos </a:t>
             </a:r>
             <a:r>
               <a:rPr lang="es-ES_tradnl" altLang="es-MX" sz="1400" b="1" dirty="0">
@@ -11060,7 +11060,7 @@
                 </a:solidFill>
                 <a:latin typeface="Dom Casual" charset="0"/>
               </a:rPr>
-              <a:t>nombre</a:t>
+              <a:t>nombre, edad y sueldo</a:t>
             </a:r>
             <a:r>
               <a:rPr lang="es-ES_tradnl" altLang="es-MX" sz="1400" dirty="0">
@@ -11071,7 +11071,7 @@
                 </a:solidFill>
                 <a:latin typeface="Dom Casual" charset="0"/>
               </a:rPr>
-              <a:t> es parte del constructor de la clase padre </a:t>
+              <a:t> son parte del constructor de la clase padre </a:t>
             </a:r>
             <a:r>
               <a:rPr lang="es-ES_tradnl" altLang="es-MX" sz="1400" b="1" dirty="0">
@@ -11093,7 +11093,7 @@
                 </a:solidFill>
                 <a:latin typeface="Dom Casual" charset="0"/>
               </a:rPr>
-              <a:t>, pero el constructor se redefinió y este atributo no está incluido.</a:t>
+              <a:t>, pero el constructor se redefinió y estos atributos no están incluidos.</a:t>
             </a:r>
           </a:p>
           <a:p>
@@ -11132,8 +11132,8 @@
         </p:nvSpPr>
         <p:spPr>
           <a:xfrm>
-            <a:off x="6084169" y="3025802"/>
-            <a:ext cx="2664295" cy="1643099"/>
+            <a:off x="6084169" y="3025803"/>
+            <a:ext cx="2736303" cy="1195770"/>
           </a:xfrm>
           <a:prstGeom prst="rect">
             <a:avLst/>
